--- a/cem-hoca/Slayt/2. Hafta - Ekrana Yazdırma.pptx
+++ b/cem-hoca/Slayt/2. Hafta - Ekrana Yazdırma.pptx
@@ -704,7 +704,7 @@
           </a:lstStyle>
           <a:p>
             <a:r>
-              <a:rPr lang="tr-TR" smtClean="0"/>
+              <a:rPr lang="tr-TR"/>
               <a:t>Asıl başlık stili için tıklatın</a:t>
             </a:r>
             <a:endParaRPr lang="en-US" dirty="0"/>
@@ -824,7 +824,7 @@
           </a:lstStyle>
           <a:p>
             <a:r>
-              <a:rPr lang="tr-TR" smtClean="0"/>
+              <a:rPr lang="tr-TR"/>
               <a:t>Asıl alt başlık stilini düzenlemek için tıklayın</a:t>
             </a:r>
             <a:endParaRPr lang="en-US" dirty="0"/>
@@ -848,7 +848,7 @@
           <a:p>
             <a:fld id="{B59DCE36-3F20-4BBF-A866-41AE2480EA77}" type="datetimeFigureOut">
               <a:rPr lang="tr-TR" smtClean="0"/>
-              <a:t>22.02.2022</a:t>
+              <a:t>2.07.2024</a:t>
             </a:fld>
             <a:endParaRPr lang="tr-TR"/>
           </a:p>
@@ -953,7 +953,7 @@
           </a:lstStyle>
           <a:p>
             <a:r>
-              <a:rPr lang="tr-TR" smtClean="0"/>
+              <a:rPr lang="tr-TR"/>
               <a:t>Asıl başlık stili için tıklatın</a:t>
             </a:r>
             <a:endParaRPr lang="en-US" dirty="0"/>
@@ -1076,7 +1076,7 @@
           <a:p>
             <a:pPr lvl="0"/>
             <a:r>
-              <a:rPr lang="tr-TR" smtClean="0"/>
+              <a:rPr lang="tr-TR"/>
               <a:t>Asıl metin stillerini düzenle</a:t>
             </a:r>
           </a:p>
@@ -1099,7 +1099,7 @@
           <a:p>
             <a:fld id="{B59DCE36-3F20-4BBF-A866-41AE2480EA77}" type="datetimeFigureOut">
               <a:rPr lang="tr-TR" smtClean="0"/>
-              <a:t>22.02.2022</a:t>
+              <a:t>2.07.2024</a:t>
             </a:fld>
             <a:endParaRPr lang="tr-TR"/>
           </a:p>
@@ -1204,7 +1204,7 @@
           </a:lstStyle>
           <a:p>
             <a:r>
-              <a:rPr lang="tr-TR" smtClean="0"/>
+              <a:rPr lang="tr-TR"/>
               <a:t>Asıl başlık stili için tıklatın</a:t>
             </a:r>
             <a:endParaRPr lang="en-US" dirty="0"/>
@@ -1268,7 +1268,7 @@
           <a:p>
             <a:pPr lvl="0"/>
             <a:r>
-              <a:rPr lang="tr-TR" smtClean="0"/>
+              <a:rPr lang="tr-TR"/>
               <a:t>Asıl metin stillerini düzenle</a:t>
             </a:r>
           </a:p>
@@ -1390,7 +1390,7 @@
           <a:p>
             <a:pPr lvl="0"/>
             <a:r>
-              <a:rPr lang="tr-TR" smtClean="0"/>
+              <a:rPr lang="tr-TR"/>
               <a:t>Asıl metin stillerini düzenle</a:t>
             </a:r>
           </a:p>
@@ -1413,7 +1413,7 @@
           <a:p>
             <a:fld id="{B59DCE36-3F20-4BBF-A866-41AE2480EA77}" type="datetimeFigureOut">
               <a:rPr lang="tr-TR" smtClean="0"/>
-              <a:t>22.02.2022</a:t>
+              <a:t>2.07.2024</a:t>
             </a:fld>
             <a:endParaRPr lang="tr-TR"/>
           </a:p>
@@ -1608,7 +1608,7 @@
           </a:lstStyle>
           <a:p>
             <a:r>
-              <a:rPr lang="tr-TR" smtClean="0"/>
+              <a:rPr lang="tr-TR"/>
               <a:t>Asıl başlık stili için tıklatın</a:t>
             </a:r>
             <a:endParaRPr lang="en-US" dirty="0"/>
@@ -1731,7 +1731,7 @@
           <a:p>
             <a:pPr lvl="0"/>
             <a:r>
-              <a:rPr lang="tr-TR" smtClean="0"/>
+              <a:rPr lang="tr-TR"/>
               <a:t>Asıl metin stillerini düzenle</a:t>
             </a:r>
           </a:p>
@@ -1754,7 +1754,7 @@
           <a:p>
             <a:fld id="{B59DCE36-3F20-4BBF-A866-41AE2480EA77}" type="datetimeFigureOut">
               <a:rPr lang="tr-TR" smtClean="0"/>
-              <a:t>22.02.2022</a:t>
+              <a:t>2.07.2024</a:t>
             </a:fld>
             <a:endParaRPr lang="tr-TR"/>
           </a:p>
@@ -1859,7 +1859,7 @@
           </a:lstStyle>
           <a:p>
             <a:r>
-              <a:rPr lang="tr-TR" smtClean="0"/>
+              <a:rPr lang="tr-TR"/>
               <a:t>Asıl başlık stili için tıklatın</a:t>
             </a:r>
             <a:endParaRPr lang="en-US" dirty="0"/>
@@ -1923,7 +1923,7 @@
           <a:p>
             <a:pPr lvl="0"/>
             <a:r>
-              <a:rPr lang="tr-TR" smtClean="0"/>
+              <a:rPr lang="tr-TR"/>
               <a:t>Asıl metin stillerini düzenle</a:t>
             </a:r>
           </a:p>
@@ -2045,7 +2045,7 @@
           <a:p>
             <a:pPr lvl="0"/>
             <a:r>
-              <a:rPr lang="tr-TR" smtClean="0"/>
+              <a:rPr lang="tr-TR"/>
               <a:t>Asıl metin stillerini düzenle</a:t>
             </a:r>
           </a:p>
@@ -2068,7 +2068,7 @@
           <a:p>
             <a:fld id="{B59DCE36-3F20-4BBF-A866-41AE2480EA77}" type="datetimeFigureOut">
               <a:rPr lang="tr-TR" smtClean="0"/>
-              <a:t>22.02.2022</a:t>
+              <a:t>2.07.2024</a:t>
             </a:fld>
             <a:endParaRPr lang="tr-TR"/>
           </a:p>
@@ -2255,7 +2255,7 @@
           </a:lstStyle>
           <a:p>
             <a:r>
-              <a:rPr lang="tr-TR" smtClean="0"/>
+              <a:rPr lang="tr-TR"/>
               <a:t>Asıl başlık stili için tıklatın</a:t>
             </a:r>
             <a:endParaRPr lang="en-US" dirty="0"/>
@@ -2316,7 +2316,7 @@
           <a:p>
             <a:pPr lvl="0"/>
             <a:r>
-              <a:rPr lang="tr-TR" smtClean="0"/>
+              <a:rPr lang="tr-TR"/>
               <a:t>Asıl metin stillerini düzenle</a:t>
             </a:r>
           </a:p>
@@ -2438,7 +2438,7 @@
           <a:p>
             <a:pPr lvl="0"/>
             <a:r>
-              <a:rPr lang="tr-TR" smtClean="0"/>
+              <a:rPr lang="tr-TR"/>
               <a:t>Asıl metin stillerini düzenle</a:t>
             </a:r>
           </a:p>
@@ -2461,7 +2461,7 @@
           <a:p>
             <a:fld id="{B59DCE36-3F20-4BBF-A866-41AE2480EA77}" type="datetimeFigureOut">
               <a:rPr lang="tr-TR" smtClean="0"/>
-              <a:t>22.02.2022</a:t>
+              <a:t>2.07.2024</a:t>
             </a:fld>
             <a:endParaRPr lang="tr-TR"/>
           </a:p>
@@ -2555,7 +2555,7 @@
           <a:lstStyle/>
           <a:p>
             <a:r>
-              <a:rPr lang="tr-TR" smtClean="0"/>
+              <a:rPr lang="tr-TR"/>
               <a:t>Asıl başlık stili için tıklatın</a:t>
             </a:r>
             <a:endParaRPr lang="en-US" dirty="0"/>
@@ -2579,35 +2579,35 @@
           <a:p>
             <a:pPr lvl="0"/>
             <a:r>
-              <a:rPr lang="tr-TR" smtClean="0"/>
+              <a:rPr lang="tr-TR"/>
               <a:t>Asıl metin stillerini düzenle</a:t>
             </a:r>
           </a:p>
           <a:p>
             <a:pPr lvl="1"/>
             <a:r>
-              <a:rPr lang="tr-TR" smtClean="0"/>
+              <a:rPr lang="tr-TR"/>
               <a:t>İkinci düzey</a:t>
             </a:r>
           </a:p>
           <a:p>
             <a:pPr lvl="2"/>
             <a:r>
-              <a:rPr lang="tr-TR" smtClean="0"/>
+              <a:rPr lang="tr-TR"/>
               <a:t>Üçüncü düzey</a:t>
             </a:r>
           </a:p>
           <a:p>
             <a:pPr lvl="3"/>
             <a:r>
-              <a:rPr lang="tr-TR" smtClean="0"/>
+              <a:rPr lang="tr-TR"/>
               <a:t>Dördüncü düzey</a:t>
             </a:r>
           </a:p>
           <a:p>
             <a:pPr lvl="4"/>
             <a:r>
-              <a:rPr lang="tr-TR" smtClean="0"/>
+              <a:rPr lang="tr-TR"/>
               <a:t>Beşinci düzey</a:t>
             </a:r>
             <a:endParaRPr lang="en-US" dirty="0"/>
@@ -2631,7 +2631,7 @@
           <a:p>
             <a:fld id="{B59DCE36-3F20-4BBF-A866-41AE2480EA77}" type="datetimeFigureOut">
               <a:rPr lang="tr-TR" smtClean="0"/>
-              <a:t>22.02.2022</a:t>
+              <a:t>2.07.2024</a:t>
             </a:fld>
             <a:endParaRPr lang="tr-TR"/>
           </a:p>
@@ -2730,7 +2730,7 @@
           <a:lstStyle/>
           <a:p>
             <a:r>
-              <a:rPr lang="tr-TR" smtClean="0"/>
+              <a:rPr lang="tr-TR"/>
               <a:t>Asıl başlık stili için tıklatın</a:t>
             </a:r>
             <a:endParaRPr lang="en-US" dirty="0"/>
@@ -2759,35 +2759,35 @@
           <a:p>
             <a:pPr lvl="0"/>
             <a:r>
-              <a:rPr lang="tr-TR" smtClean="0"/>
+              <a:rPr lang="tr-TR"/>
               <a:t>Asıl metin stillerini düzenle</a:t>
             </a:r>
           </a:p>
           <a:p>
             <a:pPr lvl="1"/>
             <a:r>
-              <a:rPr lang="tr-TR" smtClean="0"/>
+              <a:rPr lang="tr-TR"/>
               <a:t>İkinci düzey</a:t>
             </a:r>
           </a:p>
           <a:p>
             <a:pPr lvl="2"/>
             <a:r>
-              <a:rPr lang="tr-TR" smtClean="0"/>
+              <a:rPr lang="tr-TR"/>
               <a:t>Üçüncü düzey</a:t>
             </a:r>
           </a:p>
           <a:p>
             <a:pPr lvl="3"/>
             <a:r>
-              <a:rPr lang="tr-TR" smtClean="0"/>
+              <a:rPr lang="tr-TR"/>
               <a:t>Dördüncü düzey</a:t>
             </a:r>
           </a:p>
           <a:p>
             <a:pPr lvl="4"/>
             <a:r>
-              <a:rPr lang="tr-TR" smtClean="0"/>
+              <a:rPr lang="tr-TR"/>
               <a:t>Beşinci düzey</a:t>
             </a:r>
             <a:endParaRPr lang="en-US" dirty="0"/>
@@ -2811,7 +2811,7 @@
           <a:p>
             <a:fld id="{B59DCE36-3F20-4BBF-A866-41AE2480EA77}" type="datetimeFigureOut">
               <a:rPr lang="tr-TR" smtClean="0"/>
-              <a:t>22.02.2022</a:t>
+              <a:t>2.07.2024</a:t>
             </a:fld>
             <a:endParaRPr lang="tr-TR"/>
           </a:p>
@@ -2911,7 +2911,7 @@
           </a:lstStyle>
           <a:p>
             <a:r>
-              <a:rPr lang="tr-TR" smtClean="0"/>
+              <a:rPr lang="tr-TR"/>
               <a:t>Asıl başlık stili için tıklatın</a:t>
             </a:r>
             <a:endParaRPr lang="en-US" dirty="0"/>
@@ -2935,35 +2935,35 @@
           <a:p>
             <a:pPr lvl="0"/>
             <a:r>
-              <a:rPr lang="tr-TR" smtClean="0"/>
+              <a:rPr lang="tr-TR"/>
               <a:t>Asıl metin stillerini düzenle</a:t>
             </a:r>
           </a:p>
           <a:p>
             <a:pPr lvl="1"/>
             <a:r>
-              <a:rPr lang="tr-TR" smtClean="0"/>
+              <a:rPr lang="tr-TR"/>
               <a:t>İkinci düzey</a:t>
             </a:r>
           </a:p>
           <a:p>
             <a:pPr lvl="2"/>
             <a:r>
-              <a:rPr lang="tr-TR" smtClean="0"/>
+              <a:rPr lang="tr-TR"/>
               <a:t>Üçüncü düzey</a:t>
             </a:r>
           </a:p>
           <a:p>
             <a:pPr lvl="3"/>
             <a:r>
-              <a:rPr lang="tr-TR" smtClean="0"/>
+              <a:rPr lang="tr-TR"/>
               <a:t>Dördüncü düzey</a:t>
             </a:r>
           </a:p>
           <a:p>
             <a:pPr lvl="4"/>
             <a:r>
-              <a:rPr lang="tr-TR" smtClean="0"/>
+              <a:rPr lang="tr-TR"/>
               <a:t>Beşinci düzey</a:t>
             </a:r>
             <a:endParaRPr lang="en-US" dirty="0"/>
@@ -2987,7 +2987,7 @@
           <a:p>
             <a:fld id="{B59DCE36-3F20-4BBF-A866-41AE2480EA77}" type="datetimeFigureOut">
               <a:rPr lang="tr-TR" smtClean="0"/>
-              <a:t>22.02.2022</a:t>
+              <a:t>2.07.2024</a:t>
             </a:fld>
             <a:endParaRPr lang="tr-TR"/>
           </a:p>
@@ -3090,7 +3090,7 @@
           </a:lstStyle>
           <a:p>
             <a:r>
-              <a:rPr lang="tr-TR" smtClean="0"/>
+              <a:rPr lang="tr-TR"/>
               <a:t>Asıl başlık stili için tıklatın</a:t>
             </a:r>
             <a:endParaRPr lang="en-US" dirty="0"/>
@@ -3211,7 +3211,7 @@
           <a:p>
             <a:pPr lvl="0"/>
             <a:r>
-              <a:rPr lang="tr-TR" smtClean="0"/>
+              <a:rPr lang="tr-TR"/>
               <a:t>Asıl metin stillerini düzenle</a:t>
             </a:r>
           </a:p>
@@ -3234,7 +3234,7 @@
           <a:p>
             <a:fld id="{B59DCE36-3F20-4BBF-A866-41AE2480EA77}" type="datetimeFigureOut">
               <a:rPr lang="tr-TR" smtClean="0"/>
-              <a:t>22.02.2022</a:t>
+              <a:t>2.07.2024</a:t>
             </a:fld>
             <a:endParaRPr lang="tr-TR"/>
           </a:p>
@@ -3328,7 +3328,7 @@
           <a:lstStyle/>
           <a:p>
             <a:r>
-              <a:rPr lang="tr-TR" smtClean="0"/>
+              <a:rPr lang="tr-TR"/>
               <a:t>Asıl başlık stili için tıklatın</a:t>
             </a:r>
             <a:endParaRPr lang="en-US" dirty="0"/>
@@ -3357,35 +3357,35 @@
           <a:p>
             <a:pPr lvl="0"/>
             <a:r>
-              <a:rPr lang="tr-TR" smtClean="0"/>
+              <a:rPr lang="tr-TR"/>
               <a:t>Asıl metin stillerini düzenle</a:t>
             </a:r>
           </a:p>
           <a:p>
             <a:pPr lvl="1"/>
             <a:r>
-              <a:rPr lang="tr-TR" smtClean="0"/>
+              <a:rPr lang="tr-TR"/>
               <a:t>İkinci düzey</a:t>
             </a:r>
           </a:p>
           <a:p>
             <a:pPr lvl="2"/>
             <a:r>
-              <a:rPr lang="tr-TR" smtClean="0"/>
+              <a:rPr lang="tr-TR"/>
               <a:t>Üçüncü düzey</a:t>
             </a:r>
           </a:p>
           <a:p>
             <a:pPr lvl="3"/>
             <a:r>
-              <a:rPr lang="tr-TR" smtClean="0"/>
+              <a:rPr lang="tr-TR"/>
               <a:t>Dördüncü düzey</a:t>
             </a:r>
           </a:p>
           <a:p>
             <a:pPr lvl="4"/>
             <a:r>
-              <a:rPr lang="tr-TR" smtClean="0"/>
+              <a:rPr lang="tr-TR"/>
               <a:t>Beşinci düzey</a:t>
             </a:r>
             <a:endParaRPr lang="en-US" dirty="0"/>
@@ -3414,35 +3414,35 @@
           <a:p>
             <a:pPr lvl="0"/>
             <a:r>
-              <a:rPr lang="tr-TR" smtClean="0"/>
+              <a:rPr lang="tr-TR"/>
               <a:t>Asıl metin stillerini düzenle</a:t>
             </a:r>
           </a:p>
           <a:p>
             <a:pPr lvl="1"/>
             <a:r>
-              <a:rPr lang="tr-TR" smtClean="0"/>
+              <a:rPr lang="tr-TR"/>
               <a:t>İkinci düzey</a:t>
             </a:r>
           </a:p>
           <a:p>
             <a:pPr lvl="2"/>
             <a:r>
-              <a:rPr lang="tr-TR" smtClean="0"/>
+              <a:rPr lang="tr-TR"/>
               <a:t>Üçüncü düzey</a:t>
             </a:r>
           </a:p>
           <a:p>
             <a:pPr lvl="3"/>
             <a:r>
-              <a:rPr lang="tr-TR" smtClean="0"/>
+              <a:rPr lang="tr-TR"/>
               <a:t>Dördüncü düzey</a:t>
             </a:r>
           </a:p>
           <a:p>
             <a:pPr lvl="4"/>
             <a:r>
-              <a:rPr lang="tr-TR" smtClean="0"/>
+              <a:rPr lang="tr-TR"/>
               <a:t>Beşinci düzey</a:t>
             </a:r>
             <a:endParaRPr lang="en-US" dirty="0"/>
@@ -3466,7 +3466,7 @@
           <a:p>
             <a:fld id="{B59DCE36-3F20-4BBF-A866-41AE2480EA77}" type="datetimeFigureOut">
               <a:rPr lang="tr-TR" smtClean="0"/>
-              <a:t>22.02.2022</a:t>
+              <a:t>2.07.2024</a:t>
             </a:fld>
             <a:endParaRPr lang="tr-TR"/>
           </a:p>
@@ -3564,7 +3564,7 @@
           </a:lstStyle>
           <a:p>
             <a:r>
-              <a:rPr lang="tr-TR" smtClean="0"/>
+              <a:rPr lang="tr-TR"/>
               <a:t>Asıl başlık stili için tıklatın</a:t>
             </a:r>
             <a:endParaRPr lang="en-US" dirty="0"/>
@@ -3632,7 +3632,7 @@
           <a:p>
             <a:pPr lvl="0"/>
             <a:r>
-              <a:rPr lang="tr-TR" smtClean="0"/>
+              <a:rPr lang="tr-TR"/>
               <a:t>Asıl metin stillerini düzenle</a:t>
             </a:r>
           </a:p>
@@ -3662,35 +3662,35 @@
           <a:p>
             <a:pPr lvl="0"/>
             <a:r>
-              <a:rPr lang="tr-TR" smtClean="0"/>
+              <a:rPr lang="tr-TR"/>
               <a:t>Asıl metin stillerini düzenle</a:t>
             </a:r>
           </a:p>
           <a:p>
             <a:pPr lvl="1"/>
             <a:r>
-              <a:rPr lang="tr-TR" smtClean="0"/>
+              <a:rPr lang="tr-TR"/>
               <a:t>İkinci düzey</a:t>
             </a:r>
           </a:p>
           <a:p>
             <a:pPr lvl="2"/>
             <a:r>
-              <a:rPr lang="tr-TR" smtClean="0"/>
+              <a:rPr lang="tr-TR"/>
               <a:t>Üçüncü düzey</a:t>
             </a:r>
           </a:p>
           <a:p>
             <a:pPr lvl="3"/>
             <a:r>
-              <a:rPr lang="tr-TR" smtClean="0"/>
+              <a:rPr lang="tr-TR"/>
               <a:t>Dördüncü düzey</a:t>
             </a:r>
           </a:p>
           <a:p>
             <a:pPr lvl="4"/>
             <a:r>
-              <a:rPr lang="tr-TR" smtClean="0"/>
+              <a:rPr lang="tr-TR"/>
               <a:t>Beşinci düzey</a:t>
             </a:r>
             <a:endParaRPr lang="en-US" dirty="0"/>
@@ -3758,7 +3758,7 @@
           <a:p>
             <a:pPr lvl="0"/>
             <a:r>
-              <a:rPr lang="tr-TR" smtClean="0"/>
+              <a:rPr lang="tr-TR"/>
               <a:t>Asıl metin stillerini düzenle</a:t>
             </a:r>
           </a:p>
@@ -3788,35 +3788,35 @@
           <a:p>
             <a:pPr lvl="0"/>
             <a:r>
-              <a:rPr lang="tr-TR" smtClean="0"/>
+              <a:rPr lang="tr-TR"/>
               <a:t>Asıl metin stillerini düzenle</a:t>
             </a:r>
           </a:p>
           <a:p>
             <a:pPr lvl="1"/>
             <a:r>
-              <a:rPr lang="tr-TR" smtClean="0"/>
+              <a:rPr lang="tr-TR"/>
               <a:t>İkinci düzey</a:t>
             </a:r>
           </a:p>
           <a:p>
             <a:pPr lvl="2"/>
             <a:r>
-              <a:rPr lang="tr-TR" smtClean="0"/>
+              <a:rPr lang="tr-TR"/>
               <a:t>Üçüncü düzey</a:t>
             </a:r>
           </a:p>
           <a:p>
             <a:pPr lvl="3"/>
             <a:r>
-              <a:rPr lang="tr-TR" smtClean="0"/>
+              <a:rPr lang="tr-TR"/>
               <a:t>Dördüncü düzey</a:t>
             </a:r>
           </a:p>
           <a:p>
             <a:pPr lvl="4"/>
             <a:r>
-              <a:rPr lang="tr-TR" smtClean="0"/>
+              <a:rPr lang="tr-TR"/>
               <a:t>Beşinci düzey</a:t>
             </a:r>
             <a:endParaRPr lang="en-US" dirty="0"/>
@@ -3840,7 +3840,7 @@
           <a:p>
             <a:fld id="{B59DCE36-3F20-4BBF-A866-41AE2480EA77}" type="datetimeFigureOut">
               <a:rPr lang="tr-TR" smtClean="0"/>
-              <a:t>22.02.2022</a:t>
+              <a:t>2.07.2024</a:t>
             </a:fld>
             <a:endParaRPr lang="tr-TR"/>
           </a:p>
@@ -3939,7 +3939,7 @@
           <a:lstStyle/>
           <a:p>
             <a:r>
-              <a:rPr lang="tr-TR" smtClean="0"/>
+              <a:rPr lang="tr-TR"/>
               <a:t>Asıl başlık stili için tıklatın</a:t>
             </a:r>
             <a:endParaRPr lang="en-US" dirty="0"/>
@@ -3963,7 +3963,7 @@
           <a:p>
             <a:fld id="{B59DCE36-3F20-4BBF-A866-41AE2480EA77}" type="datetimeFigureOut">
               <a:rPr lang="tr-TR" smtClean="0"/>
-              <a:t>22.02.2022</a:t>
+              <a:t>2.07.2024</a:t>
             </a:fld>
             <a:endParaRPr lang="tr-TR"/>
           </a:p>
@@ -4058,7 +4058,7 @@
           <a:p>
             <a:fld id="{B59DCE36-3F20-4BBF-A866-41AE2480EA77}" type="datetimeFigureOut">
               <a:rPr lang="tr-TR" smtClean="0"/>
-              <a:t>22.02.2022</a:t>
+              <a:t>2.07.2024</a:t>
             </a:fld>
             <a:endParaRPr lang="tr-TR"/>
           </a:p>
@@ -4163,7 +4163,7 @@
           </a:lstStyle>
           <a:p>
             <a:r>
-              <a:rPr lang="tr-TR" smtClean="0"/>
+              <a:rPr lang="tr-TR"/>
               <a:t>Asıl başlık stili için tıklatın</a:t>
             </a:r>
             <a:endParaRPr lang="en-US" dirty="0"/>
@@ -4194,35 +4194,35 @@
           <a:p>
             <a:pPr lvl="0"/>
             <a:r>
-              <a:rPr lang="tr-TR" smtClean="0"/>
+              <a:rPr lang="tr-TR"/>
               <a:t>Asıl metin stillerini düzenle</a:t>
             </a:r>
           </a:p>
           <a:p>
             <a:pPr lvl="1"/>
             <a:r>
-              <a:rPr lang="tr-TR" smtClean="0"/>
+              <a:rPr lang="tr-TR"/>
               <a:t>İkinci düzey</a:t>
             </a:r>
           </a:p>
           <a:p>
             <a:pPr lvl="2"/>
             <a:r>
-              <a:rPr lang="tr-TR" smtClean="0"/>
+              <a:rPr lang="tr-TR"/>
               <a:t>Üçüncü düzey</a:t>
             </a:r>
           </a:p>
           <a:p>
             <a:pPr lvl="3"/>
             <a:r>
-              <a:rPr lang="tr-TR" smtClean="0"/>
+              <a:rPr lang="tr-TR"/>
               <a:t>Dördüncü düzey</a:t>
             </a:r>
           </a:p>
           <a:p>
             <a:pPr lvl="4"/>
             <a:r>
-              <a:rPr lang="tr-TR" smtClean="0"/>
+              <a:rPr lang="tr-TR"/>
               <a:t>Beşinci düzey</a:t>
             </a:r>
             <a:endParaRPr lang="en-US" dirty="0"/>
@@ -4290,7 +4290,7 @@
           <a:p>
             <a:pPr lvl="0"/>
             <a:r>
-              <a:rPr lang="tr-TR" smtClean="0"/>
+              <a:rPr lang="tr-TR"/>
               <a:t>Asıl metin stillerini düzenle</a:t>
             </a:r>
           </a:p>
@@ -4313,7 +4313,7 @@
           <a:p>
             <a:fld id="{B59DCE36-3F20-4BBF-A866-41AE2480EA77}" type="datetimeFigureOut">
               <a:rPr lang="tr-TR" smtClean="0"/>
-              <a:t>22.02.2022</a:t>
+              <a:t>2.07.2024</a:t>
             </a:fld>
             <a:endParaRPr lang="tr-TR"/>
           </a:p>
@@ -4418,7 +4418,7 @@
           </a:lstStyle>
           <a:p>
             <a:r>
-              <a:rPr lang="tr-TR" smtClean="0"/>
+              <a:rPr lang="tr-TR"/>
               <a:t>Asıl başlık stili için tıklatın</a:t>
             </a:r>
             <a:endParaRPr lang="en-US" dirty="0"/>
@@ -4485,7 +4485,7 @@
           </a:lstStyle>
           <a:p>
             <a:r>
-              <a:rPr lang="tr-TR" smtClean="0"/>
+              <a:rPr lang="tr-TR"/>
               <a:t>Resim eklemek için simgeyi tıklatın</a:t>
             </a:r>
             <a:endParaRPr lang="en-US" dirty="0"/>
@@ -4553,7 +4553,7 @@
           <a:p>
             <a:pPr lvl="0"/>
             <a:r>
-              <a:rPr lang="tr-TR" smtClean="0"/>
+              <a:rPr lang="tr-TR"/>
               <a:t>Asıl metin stillerini düzenle</a:t>
             </a:r>
           </a:p>
@@ -4576,7 +4576,7 @@
           <a:p>
             <a:fld id="{B59DCE36-3F20-4BBF-A866-41AE2480EA77}" type="datetimeFigureOut">
               <a:rPr lang="tr-TR" smtClean="0"/>
-              <a:t>22.02.2022</a:t>
+              <a:t>2.07.2024</a:t>
             </a:fld>
             <a:endParaRPr lang="tr-TR"/>
           </a:p>
@@ -5215,7 +5215,7 @@
           <a:lstStyle/>
           <a:p>
             <a:r>
-              <a:rPr lang="tr-TR" smtClean="0"/>
+              <a:rPr lang="tr-TR"/>
               <a:t>Asıl başlık stili için tıklatın</a:t>
             </a:r>
             <a:endParaRPr lang="en-US" dirty="0"/>
@@ -5249,35 +5249,35 @@
           <a:p>
             <a:pPr lvl="0"/>
             <a:r>
-              <a:rPr lang="tr-TR" smtClean="0"/>
+              <a:rPr lang="tr-TR"/>
               <a:t>Asıl metin stillerini düzenle</a:t>
             </a:r>
           </a:p>
           <a:p>
             <a:pPr lvl="1"/>
             <a:r>
-              <a:rPr lang="tr-TR" smtClean="0"/>
+              <a:rPr lang="tr-TR"/>
               <a:t>İkinci düzey</a:t>
             </a:r>
           </a:p>
           <a:p>
             <a:pPr lvl="2"/>
             <a:r>
-              <a:rPr lang="tr-TR" smtClean="0"/>
+              <a:rPr lang="tr-TR"/>
               <a:t>Üçüncü düzey</a:t>
             </a:r>
           </a:p>
           <a:p>
             <a:pPr lvl="3"/>
             <a:r>
-              <a:rPr lang="tr-TR" smtClean="0"/>
+              <a:rPr lang="tr-TR"/>
               <a:t>Dördüncü düzey</a:t>
             </a:r>
           </a:p>
           <a:p>
             <a:pPr lvl="4"/>
             <a:r>
-              <a:rPr lang="tr-TR" smtClean="0"/>
+              <a:rPr lang="tr-TR"/>
               <a:t>Beşinci düzey</a:t>
             </a:r>
             <a:endParaRPr lang="en-US" dirty="0"/>
@@ -5319,7 +5319,7 @@
           <a:p>
             <a:fld id="{B59DCE36-3F20-4BBF-A866-41AE2480EA77}" type="datetimeFigureOut">
               <a:rPr lang="tr-TR" smtClean="0"/>
-              <a:t>22.02.2022</a:t>
+              <a:t>2.07.2024</a:t>
             </a:fld>
             <a:endParaRPr lang="tr-TR"/>
           </a:p>
@@ -5881,14 +5881,9 @@
           <a:lstStyle/>
           <a:p>
             <a:r>
-              <a:rPr lang="tr-TR" dirty="0" err="1" smtClean="0"/>
-              <a:t>Doç.Dr</a:t>
-            </a:r>
-            <a:r>
-              <a:rPr lang="tr-TR" dirty="0" smtClean="0"/>
-              <a:t>. Derya AVCI</a:t>
-            </a:r>
-            <a:endParaRPr lang="tr-TR" dirty="0"/>
+              <a:rPr lang="tr-TR" dirty="0"/>
+              <a:t>Doç. Dr. Derya AVCI</a:t>
+            </a:r>
           </a:p>
         </p:txBody>
       </p:sp>
@@ -5990,16 +5985,11 @@
               <a:rPr lang="tr-TR" dirty="0"/>
               <a:t>içinde kullanılır. </a:t>
             </a:r>
-            <a:endParaRPr lang="tr-TR" dirty="0" smtClean="0"/>
-          </a:p>
-          <a:p>
-            <a:r>
-              <a:rPr lang="tr-TR" dirty="0" smtClean="0"/>
-              <a:t>Formatlı </a:t>
-            </a:r>
-            <a:r>
-              <a:rPr lang="tr-TR" dirty="0"/>
-              <a:t>kullanımda ekrana yazdırılacak değerler </a:t>
+          </a:p>
+          <a:p>
+            <a:r>
+              <a:rPr lang="tr-TR" dirty="0"/>
+              <a:t>Formatlı kullanımda ekrana yazdırılacak değerler </a:t>
             </a:r>
             <a:r>
               <a:rPr lang="tr-TR" b="1" dirty="0"/>
@@ -6191,7 +6181,7 @@
           <a:lstStyle/>
           <a:p>
             <a:r>
-              <a:rPr lang="tr-TR" b="1" dirty="0" err="1" smtClean="0"/>
+              <a:rPr lang="tr-TR" b="1" dirty="0" err="1"/>
               <a:t>Python</a:t>
             </a:r>
             <a:r>
@@ -6210,20 +6200,15 @@
               <a:rPr lang="tr-TR" dirty="0"/>
               <a:t>kullanıcıyı etkin kılmak ve kullanıcı ile etkileşim halinde olmak için veri girişi yapılabilmektedir. </a:t>
             </a:r>
-            <a:endParaRPr lang="tr-TR" dirty="0" smtClean="0"/>
-          </a:p>
-          <a:p>
-            <a:r>
-              <a:rPr lang="tr-TR" dirty="0" err="1" smtClean="0"/>
+          </a:p>
+          <a:p>
+            <a:r>
+              <a:rPr lang="tr-TR" dirty="0" err="1"/>
               <a:t>Python</a:t>
             </a:r>
             <a:r>
-              <a:rPr lang="tr-TR" dirty="0" smtClean="0"/>
-              <a:t> </a:t>
-            </a:r>
-            <a:r>
-              <a:rPr lang="tr-TR" dirty="0"/>
-              <a:t>programlama dilinde veri girişi </a:t>
+              <a:rPr lang="tr-TR" dirty="0"/>
+              <a:t> programlama dilinde veri girişi </a:t>
             </a:r>
             <a:r>
               <a:rPr lang="tr-TR" b="1" dirty="0" err="1"/>
@@ -6235,15 +6220,7 @@
             </a:r>
             <a:r>
               <a:rPr lang="tr-TR" dirty="0"/>
-              <a:t>fonksiyonu ile yapılmaktadır. Bu fonksiyon ile kullanıcıdan veri alırken aldığımız veri bir değişkene atanmak </a:t>
-            </a:r>
-            <a:r>
-              <a:rPr lang="tr-TR" dirty="0" smtClean="0"/>
-              <a:t>zorundadır</a:t>
-            </a:r>
-            <a:r>
-              <a:rPr lang="tr-TR" dirty="0"/>
-              <a:t>.</a:t>
+              <a:t>fonksiyonu ile yapılmaktadır. Bu fonksiyon ile kullanıcıdan veri alırken aldığımız veri bir değişkene atanmak zorundadır.</a:t>
             </a:r>
           </a:p>
           <a:p>
@@ -6357,20 +6334,12 @@
           <a:lstStyle/>
           <a:p>
             <a:r>
-              <a:rPr lang="tr-TR" dirty="0" err="1" smtClean="0"/>
+              <a:rPr lang="tr-TR" dirty="0" err="1"/>
               <a:t>İnput</a:t>
             </a:r>
             <a:r>
-              <a:rPr lang="tr-TR" dirty="0" smtClean="0"/>
-              <a:t> </a:t>
-            </a:r>
-            <a:r>
-              <a:rPr lang="tr-TR" dirty="0"/>
-              <a:t>fonksiyonunu kullanırken bir değişkene atanması </a:t>
-            </a:r>
-            <a:r>
-              <a:rPr lang="tr-TR" dirty="0" smtClean="0"/>
-              <a:t>gerekir.</a:t>
+              <a:rPr lang="tr-TR" dirty="0"/>
+              <a:t> fonksiyonunu kullanırken bir değişkene atanması gerekir.</a:t>
             </a:r>
           </a:p>
           <a:p>
@@ -6481,16 +6450,12 @@
           <a:lstStyle/>
           <a:p>
             <a:r>
-              <a:rPr lang="tr-TR" dirty="0" err="1" smtClean="0"/>
+              <a:rPr lang="tr-TR" dirty="0" err="1"/>
               <a:t>İnput</a:t>
             </a:r>
             <a:r>
-              <a:rPr lang="tr-TR" dirty="0" smtClean="0"/>
-              <a:t> </a:t>
-            </a:r>
-            <a:r>
-              <a:rPr lang="tr-TR" dirty="0"/>
-              <a:t>fonksiyonuna herhangi bir işlem yapmaz isek </a:t>
+              <a:rPr lang="tr-TR" dirty="0"/>
+              <a:t> fonksiyonuna herhangi bir işlem yapmaz isek </a:t>
             </a:r>
             <a:r>
               <a:rPr lang="tr-TR" dirty="0" err="1"/>
@@ -6500,11 +6465,10 @@
               <a:rPr lang="tr-TR" dirty="0"/>
               <a:t> veri girişi şeklinde alacaktır. </a:t>
             </a:r>
-            <a:endParaRPr lang="tr-TR" dirty="0" smtClean="0"/>
-          </a:p>
-          <a:p>
-            <a:r>
-              <a:rPr lang="tr-TR" dirty="0" smtClean="0"/>
+          </a:p>
+          <a:p>
+            <a:r>
+              <a:rPr lang="tr-TR" dirty="0"/>
               <a:t>Biz </a:t>
             </a:r>
             <a:r>
@@ -6545,11 +6509,7 @@
             </a:r>
             <a:r>
               <a:rPr lang="tr-TR" dirty="0"/>
-              <a:t>() fonksiyonu içerisinde alarak kullanacağız ve aldığımız veri sayısal ifadeye dönüşmüş olacak</a:t>
-            </a:r>
-            <a:r>
-              <a:rPr lang="tr-TR" dirty="0" smtClean="0"/>
-              <a:t>.</a:t>
+              <a:t>() fonksiyonu içerisinde alarak kullanacağız ve aldığımız veri sayısal ifadeye dönüşmüş olacak.</a:t>
             </a:r>
           </a:p>
           <a:p>
@@ -6652,18 +6612,17 @@
               <a:rPr lang="tr-TR" dirty="0"/>
               <a:t>: Kullanıcı </a:t>
             </a:r>
-            <a:endParaRPr lang="tr-TR" dirty="0" smtClean="0"/>
           </a:p>
           <a:p>
             <a:pPr marL="0" indent="0">
               <a:buNone/>
             </a:pPr>
             <a:r>
-              <a:rPr lang="tr-TR" dirty="0" smtClean="0"/>
+              <a:rPr lang="tr-TR" dirty="0"/>
               <a:t>sayıyı:</a:t>
             </a:r>
             <a:r>
-              <a:rPr lang="tr-TR" b="1" dirty="0" smtClean="0"/>
+              <a:rPr lang="tr-TR" b="1" dirty="0"/>
               <a:t>10</a:t>
             </a:r>
             <a:r>
@@ -6684,11 +6643,7 @@
             </a:r>
             <a:r>
               <a:rPr lang="tr-TR" dirty="0"/>
-              <a:t>yazacaktır</a:t>
-            </a:r>
-            <a:r>
-              <a:rPr lang="tr-TR" dirty="0" smtClean="0"/>
-              <a:t>.</a:t>
+              <a:t>yazacaktır.</a:t>
             </a:r>
           </a:p>
           <a:p>
@@ -6772,12 +6727,8 @@
           <a:lstStyle/>
           <a:p>
             <a:r>
-              <a:rPr lang="tr-TR" dirty="0" err="1"/>
-              <a:t>Python</a:t>
-            </a:r>
-            <a:r>
-              <a:rPr lang="tr-TR" dirty="0"/>
-              <a:t> Ekrana Yazdırma</a:t>
+              <a:rPr lang="tr-TR" dirty="0"/>
+              <a:t>Python Ekrana Yazdırma</a:t>
             </a:r>
             <a:br>
               <a:rPr lang="tr-TR" dirty="0"/>
@@ -6802,27 +6753,14 @@
           <a:lstStyle/>
           <a:p>
             <a:r>
-              <a:rPr lang="tr-TR" dirty="0" err="1"/>
-              <a:t>Python</a:t>
-            </a:r>
-            <a:r>
-              <a:rPr lang="tr-TR" dirty="0"/>
-              <a:t> programlama dilinde diğer dillerde olduğu gibi kullanıcı tarafından sonuçların görüntülenmesi gerekmektedir. </a:t>
-            </a:r>
-            <a:endParaRPr lang="tr-TR" dirty="0" smtClean="0"/>
-          </a:p>
-          <a:p>
-            <a:r>
-              <a:rPr lang="tr-TR" dirty="0" err="1" smtClean="0"/>
-              <a:t>Python</a:t>
-            </a:r>
-            <a:r>
-              <a:rPr lang="tr-TR" dirty="0" smtClean="0"/>
-              <a:t> </a:t>
-            </a:r>
-            <a:r>
-              <a:rPr lang="tr-TR" dirty="0"/>
-              <a:t>programlama dilinde kullanıcıların ekranda sonuçları görebilmesi için kullanılan ekrana yazdırma komutu </a:t>
+              <a:rPr lang="tr-TR" dirty="0"/>
+              <a:t>Python programlama dilinde diğer dillerde olduğu gibi kullanıcı tarafından sonuçların görüntülenmesi gerekmektedir. </a:t>
+            </a:r>
+          </a:p>
+          <a:p>
+            <a:r>
+              <a:rPr lang="tr-TR" dirty="0"/>
+              <a:t>Python programlama dilinde kullanıcıların ekranda sonuçları görebilmesi için kullanılan ekrana yazdırma komutu </a:t>
             </a:r>
             <a:r>
               <a:rPr lang="tr-TR" b="1" dirty="0" err="1"/>
@@ -6836,16 +6774,11 @@
               <a:rPr lang="tr-TR" dirty="0"/>
               <a:t>komutudur. </a:t>
             </a:r>
-            <a:endParaRPr lang="tr-TR" dirty="0" smtClean="0"/>
-          </a:p>
-          <a:p>
-            <a:r>
-              <a:rPr lang="tr-TR" dirty="0" smtClean="0"/>
-              <a:t>Bu </a:t>
-            </a:r>
-            <a:r>
-              <a:rPr lang="tr-TR" dirty="0"/>
-              <a:t>komut ile </a:t>
+          </a:p>
+          <a:p>
+            <a:r>
+              <a:rPr lang="tr-TR" dirty="0"/>
+              <a:t>Bu komut ile </a:t>
             </a:r>
             <a:r>
               <a:rPr lang="tr-TR" b="1" dirty="0"/>
@@ -7031,19 +6964,15 @@
             <a:pPr marL="0" indent="0">
               <a:buNone/>
             </a:pPr>
-            <a:endParaRPr lang="tr-TR" dirty="0" smtClean="0"/>
+            <a:endParaRPr lang="tr-TR" dirty="0"/>
           </a:p>
           <a:p>
             <a:pPr marL="0" indent="0">
               <a:buNone/>
             </a:pPr>
             <a:r>
-              <a:rPr lang="tr-TR" dirty="0" smtClean="0"/>
-              <a:t>Değişkenler </a:t>
-            </a:r>
-            <a:r>
-              <a:rPr lang="tr-TR" dirty="0"/>
-              <a:t>ekrana yazdırılırken tırnak işareti kullanılmaz. Değişken ismi parantez içerisine aynen yazılmaktadır.</a:t>
+              <a:rPr lang="tr-TR" dirty="0"/>
+              <a:t>Değişkenler ekrana yazdırılırken tırnak işareti kullanılmaz. Değişken ismi parantez içerisine aynen yazılmaktadır.</a:t>
             </a:r>
           </a:p>
           <a:p>
@@ -7250,12 +7179,8 @@
           <a:lstStyle/>
           <a:p>
             <a:r>
-              <a:rPr lang="tr-TR" dirty="0" smtClean="0"/>
-              <a:t>Değişken </a:t>
-            </a:r>
-            <a:r>
-              <a:rPr lang="tr-TR" dirty="0"/>
-              <a:t>ile herhangi bir metni ekrana yazdırmak için </a:t>
+              <a:rPr lang="tr-TR" dirty="0"/>
+              <a:t>Değişken ile herhangi bir metni ekrana yazdırmak için </a:t>
             </a:r>
             <a:r>
               <a:rPr lang="tr-TR" b="1" dirty="0"/>
@@ -7530,16 +7455,11 @@
               <a:rPr lang="tr-TR" dirty="0"/>
               <a:t> parametresini bulundurmaktadır. </a:t>
             </a:r>
-            <a:endParaRPr lang="tr-TR" dirty="0" smtClean="0"/>
-          </a:p>
-          <a:p>
-            <a:r>
-              <a:rPr lang="tr-TR" dirty="0" smtClean="0"/>
-              <a:t>Varsayılan </a:t>
-            </a:r>
-            <a:r>
-              <a:rPr lang="tr-TR" dirty="0"/>
-              <a:t>olarak bulundurulan </a:t>
+          </a:p>
+          <a:p>
+            <a:r>
+              <a:rPr lang="tr-TR" dirty="0"/>
+              <a:t>Varsayılan olarak bulundurulan </a:t>
             </a:r>
             <a:r>
               <a:rPr lang="tr-TR" dirty="0" err="1"/>
@@ -7549,16 +7469,11 @@
               <a:rPr lang="tr-TR" dirty="0"/>
               <a:t> parametresi alt satıra geçme işlemi için kullanılmaktadır. </a:t>
             </a:r>
-            <a:endParaRPr lang="tr-TR" dirty="0" smtClean="0"/>
-          </a:p>
-          <a:p>
-            <a:r>
-              <a:rPr lang="tr-TR" dirty="0" smtClean="0"/>
-              <a:t>Yani </a:t>
-            </a:r>
-            <a:r>
-              <a:rPr lang="tr-TR" dirty="0"/>
-              <a:t>hiçbir değer yazmasak bile bizim görmediğimiz bir </a:t>
+          </a:p>
+          <a:p>
+            <a:r>
+              <a:rPr lang="tr-TR" dirty="0"/>
+              <a:t>Yani hiçbir değer yazmasak bile bizim görmediğimiz bir </a:t>
             </a:r>
             <a:r>
               <a:rPr lang="tr-TR" dirty="0" err="1"/>
@@ -7568,11 +7483,10 @@
               <a:rPr lang="tr-TR" dirty="0"/>
               <a:t> parametresi bulunmakta ve alt satıra geçme işlemi yapmaktadır. </a:t>
             </a:r>
-            <a:endParaRPr lang="tr-TR" dirty="0" smtClean="0"/>
-          </a:p>
-          <a:p>
-            <a:r>
-              <a:rPr lang="tr-TR" dirty="0" smtClean="0"/>
+          </a:p>
+          <a:p>
+            <a:r>
+              <a:rPr lang="tr-TR" dirty="0"/>
               <a:t>Biz </a:t>
             </a:r>
             <a:r>
@@ -7700,16 +7614,11 @@
               <a:rPr lang="tr-TR" dirty="0"/>
               <a:t> fonksiyonu içerisinde birden fazla eleman olabileceği ayları yazdırılarak gösterilmişti. Bu parametre ile birden fazla elemanı yazdırırken aralarına istediğimiz karakteri koyma işlemi yapabileceğiz. </a:t>
             </a:r>
-            <a:endParaRPr lang="tr-TR" dirty="0" smtClean="0"/>
-          </a:p>
-          <a:p>
-            <a:r>
-              <a:rPr lang="tr-TR" dirty="0" smtClean="0"/>
-              <a:t>Örneğin </a:t>
-            </a:r>
-            <a:r>
-              <a:rPr lang="tr-TR" dirty="0"/>
-              <a:t>yukarıdaki örneğimizde ayları yazdırdığımızda aralarında birer boşluk atarak ekrana yazma işlemi yapmıştı. Biz aralarına virgül veya istediğimiz herhangi bir karakteri yazdırmak ister isek </a:t>
+          </a:p>
+          <a:p>
+            <a:r>
+              <a:rPr lang="tr-TR" dirty="0"/>
+              <a:t>Örneğin yukarıdaki örneğimizde ayları yazdırdığımızda aralarında birer boşluk atarak ekrana yazma işlemi yapmıştı. Biz aralarına virgül veya istediğimiz herhangi bir karakteri yazdırmak ister isek </a:t>
             </a:r>
             <a:r>
               <a:rPr lang="tr-TR" dirty="0" err="1"/>
